--- a/docs/PAI-Ped.pptx
+++ b/docs/PAI-Ped.pptx
@@ -4295,42 +4295,6 @@
       </p:sp>
       <p:sp>
         <p:nvSpPr>
-          <p:cNvPr id="22" name="TextBox 21">
-            <a:extLst>
-              <a:ext uri="{FF2B5EF4-FFF2-40B4-BE49-F238E27FC236}">
-                <a16:creationId xmlns:a16="http://schemas.microsoft.com/office/drawing/2014/main" id="{46FFCA79-DF84-49D1-AACD-6AD5E37A4EEC}"/>
-              </a:ext>
-            </a:extLst>
-          </p:cNvPr>
-          <p:cNvSpPr txBox="1"/>
-          <p:nvPr/>
-        </p:nvSpPr>
-        <p:spPr>
-          <a:xfrm>
-            <a:off x="2173657" y="2941054"/>
-            <a:ext cx="1342686" cy="261610"/>
-          </a:xfrm>
-          <a:prstGeom prst="rect">
-            <a:avLst/>
-          </a:prstGeom>
-          <a:noFill/>
-        </p:spPr>
-        <p:txBody>
-          <a:bodyPr wrap="square" rtlCol="0">
-            <a:spAutoFit/>
-          </a:bodyPr>
-          <a:lstStyle/>
-          <a:p>
-            <a:pPr algn="r"/>
-            <a:r>
-              <a:rPr lang="en-US" sz="1100" i="1" dirty="0"/>
-              <a:t>Forced-Transformer</a:t>
-            </a:r>
-          </a:p>
-        </p:txBody>
-      </p:sp>
-      <p:sp>
-        <p:nvSpPr>
           <p:cNvPr id="23" name="TextBox 22">
             <a:extLst>
               <a:ext uri="{FF2B5EF4-FFF2-40B4-BE49-F238E27FC236}">
@@ -4951,6 +4915,42 @@
             <a:r>
               <a:rPr lang="en-US" sz="1400"/>
               <a:t>Against Social-GAN</a:t>
+            </a:r>
+          </a:p>
+        </p:txBody>
+      </p:sp>
+      <p:sp>
+        <p:nvSpPr>
+          <p:cNvPr id="22" name="TextBox 21">
+            <a:extLst>
+              <a:ext uri="{FF2B5EF4-FFF2-40B4-BE49-F238E27FC236}">
+                <a16:creationId xmlns:a16="http://schemas.microsoft.com/office/drawing/2014/main" id="{46FFCA79-DF84-49D1-AACD-6AD5E37A4EEC}"/>
+              </a:ext>
+            </a:extLst>
+          </p:cNvPr>
+          <p:cNvSpPr txBox="1"/>
+          <p:nvPr/>
+        </p:nvSpPr>
+        <p:spPr>
+          <a:xfrm>
+            <a:off x="2173657" y="2941054"/>
+            <a:ext cx="1342686" cy="261610"/>
+          </a:xfrm>
+          <a:prstGeom prst="rect">
+            <a:avLst/>
+          </a:prstGeom>
+          <a:noFill/>
+        </p:spPr>
+        <p:txBody>
+          <a:bodyPr wrap="square" rtlCol="0">
+            <a:spAutoFit/>
+          </a:bodyPr>
+          <a:lstStyle/>
+          <a:p>
+            <a:pPr algn="r"/>
+            <a:r>
+              <a:rPr lang="en-US" sz="1100" i="1" dirty="0"/>
+              <a:t>Forced-Transformer</a:t>
             </a:r>
           </a:p>
         </p:txBody>
@@ -17260,7 +17260,7 @@
         <p:spPr>
           <a:xfrm>
             <a:off x="4239647" y="1080456"/>
-            <a:ext cx="3712705" cy="4832092"/>
+            <a:ext cx="3712705" cy="5770811"/>
           </a:xfrm>
           <a:prstGeom prst="rect">
             <a:avLst/>
@@ -17274,24 +17274,24 @@
           <a:lstStyle/>
           <a:p>
             <a:r>
-              <a:rPr lang="en-US" sz="1400" b="1"/>
+              <a:rPr lang="en-US" sz="1200" b="1"/>
               <a:t>What</a:t>
             </a:r>
             <a:r>
-              <a:rPr lang="en-US" sz="1400"/>
+              <a:rPr lang="en-US" sz="1200"/>
               <a:t>: Real-world pedestrians cover an area different from designed crosswalks. The area is even wider when they jaywalk. We model the crosswalk area so that pedestrian behavior models can generate trajectories.</a:t>
             </a:r>
           </a:p>
           <a:p>
-            <a:endParaRPr lang="en-US" sz="1400"/>
+            <a:endParaRPr lang="en-US" sz="1200"/>
           </a:p>
           <a:p>
             <a:r>
-              <a:rPr lang="en-US" sz="1400" b="1"/>
+              <a:rPr lang="en-US" sz="1200" b="1"/>
               <a:t>Usage</a:t>
             </a:r>
             <a:r>
-              <a:rPr lang="en-US" sz="1400"/>
+              <a:rPr lang="en-US" sz="1200"/>
               <a:t>:</a:t>
             </a:r>
           </a:p>
@@ -17300,7 +17300,7 @@
               <a:buAutoNum type="arabicPeriod"/>
             </a:pPr>
             <a:r>
-              <a:rPr lang="en-US" sz="1400"/>
+              <a:rPr lang="en-US" sz="1200"/>
               <a:t>Can be used to measure the area coverage of pedestrian crossing models.</a:t>
             </a:r>
           </a:p>
@@ -17309,7 +17309,7 @@
               <a:buAutoNum type="arabicPeriod"/>
             </a:pPr>
             <a:r>
-              <a:rPr lang="en-US" sz="1400"/>
+              <a:rPr lang="en-US" sz="1200"/>
               <a:t>Can be used by predictive models (AV) to measure areas of interest in addition to forecasting trajectories.</a:t>
             </a:r>
           </a:p>
@@ -17318,7 +17318,7 @@
               <a:buAutoNum type="arabicPeriod"/>
             </a:pPr>
             <a:r>
-              <a:rPr lang="en-US" sz="1400"/>
+              <a:rPr lang="en-US" sz="1200"/>
               <a:t>Can be used by generative crossing models to increase diversity of trajectories.</a:t>
             </a:r>
           </a:p>
@@ -17326,11 +17326,11 @@
             <a:pPr marL="342900" indent="-342900">
               <a:buAutoNum type="arabicPeriod"/>
             </a:pPr>
-            <a:endParaRPr lang="en-US" sz="1400"/>
+            <a:endParaRPr lang="en-US" sz="1200"/>
           </a:p>
           <a:p>
             <a:r>
-              <a:rPr lang="en-US" sz="1400" b="1"/>
+              <a:rPr lang="en-US" sz="1200" b="1"/>
               <a:t>RQ:</a:t>
             </a:r>
           </a:p>
@@ -17339,7 +17339,7 @@
               <a:buAutoNum type="arabicPeriod"/>
             </a:pPr>
             <a:r>
-              <a:rPr lang="en-US" sz="1400"/>
+              <a:rPr lang="en-US" sz="1200"/>
               <a:t>Do the existing crossing behavior models cover the real-world envelope?</a:t>
             </a:r>
           </a:p>
@@ -17348,7 +17348,7 @@
               <a:buAutoNum type="arabicPeriod"/>
             </a:pPr>
             <a:r>
-              <a:rPr lang="en-US" sz="1400"/>
+              <a:rPr lang="en-US" sz="1200"/>
               <a:t>Does our approach cover the effective cross-walk area as the real-world scenarios?</a:t>
             </a:r>
           </a:p>
@@ -17356,10 +17356,64 @@
             <a:pPr marL="342900" indent="-342900">
               <a:buAutoNum type="arabicPeriod"/>
             </a:pPr>
-            <a:endParaRPr lang="en-US" sz="1400"/>
+            <a:endParaRPr lang="en-US" sz="1200"/>
           </a:p>
           <a:p>
-            <a:endParaRPr lang="en-US" sz="1400"/>
+            <a:pPr marL="342900" indent="-342900">
+              <a:buAutoNum type="arabicPeriod"/>
+            </a:pPr>
+            <a:endParaRPr lang="en-US" sz="1200"/>
+          </a:p>
+          <a:p>
+            <a:r>
+              <a:rPr lang="en-US" sz="1200"/>
+              <a:t>Evaluation:</a:t>
+            </a:r>
+          </a:p>
+          <a:p>
+            <a:pPr marL="228600" indent="-228600">
+              <a:buAutoNum type="arabicPeriod"/>
+            </a:pPr>
+            <a:r>
+              <a:rPr lang="en-US" sz="1050"/>
+              <a:t>Evaluating generated polygons against the ground truth (difference with the ground truth that closely represents the generated, average area comparison, area distribution comparison)</a:t>
+            </a:r>
+          </a:p>
+          <a:p>
+            <a:pPr marL="228600" indent="-228600">
+              <a:buAutoNum type="arabicPeriod"/>
+            </a:pPr>
+            <a:r>
+              <a:rPr lang="en-US" sz="1050"/>
+              <a:t>Variation in ground truth given the same environment</a:t>
+            </a:r>
+          </a:p>
+          <a:p>
+            <a:pPr marL="228600" indent="-228600">
+              <a:buAutoNum type="arabicPeriod"/>
+            </a:pPr>
+            <a:r>
+              <a:rPr lang="en-US" sz="1050"/>
+              <a:t>Relative positional heat-map.</a:t>
+            </a:r>
+          </a:p>
+          <a:p>
+            <a:pPr marL="228600" indent="-228600">
+              <a:buAutoNum type="arabicPeriod"/>
+            </a:pPr>
+            <a:r>
+              <a:rPr lang="en-US" sz="1050"/>
+              <a:t>Integration of the model with PAI-Ped. </a:t>
+            </a:r>
+          </a:p>
+          <a:p>
+            <a:pPr marL="342900" indent="-342900">
+              <a:buAutoNum type="arabicPeriod"/>
+            </a:pPr>
+            <a:endParaRPr lang="en-US" sz="1200"/>
+          </a:p>
+          <a:p>
+            <a:endParaRPr lang="en-US" sz="1200"/>
           </a:p>
         </p:txBody>
       </p:sp>

--- a/docs/PAI-Ped.pptx
+++ b/docs/PAI-Ped.pptx
@@ -4751,7 +4751,7 @@
           <a:lstStyle/>
           <a:p>
             <a:r>
-              <a:rPr lang="en-US" sz="1600" b="1"/>
+              <a:rPr lang="en-US" sz="1600" b="1" dirty="0"/>
               <a:t>What?</a:t>
             </a:r>
           </a:p>
@@ -4760,7 +4760,7 @@
               <a:buAutoNum type="arabicPeriod"/>
             </a:pPr>
             <a:r>
-              <a:rPr lang="en-US" sz="1400"/>
+              <a:rPr lang="en-US" sz="1400" dirty="0"/>
               <a:t>Combines social-force-based approach and machine learning-based approach.</a:t>
             </a:r>
           </a:p>
@@ -4769,7 +4769,7 @@
               <a:buAutoNum type="arabicPeriod"/>
             </a:pPr>
             <a:r>
-              <a:rPr lang="en-US" sz="1400"/>
+              <a:rPr lang="en-US" sz="1400" dirty="0"/>
               <a:t>A generative model that navigates a pedestrian while crossing.</a:t>
             </a:r>
           </a:p>
@@ -4778,7 +4778,7 @@
               <a:buAutoNum type="arabicPeriod"/>
             </a:pPr>
             <a:r>
-              <a:rPr lang="en-US" sz="1400"/>
+              <a:rPr lang="en-US" sz="1400" dirty="0"/>
               <a:t>A model that can act in unseen scenarios, while acting plausibly in seen scenarios.</a:t>
             </a:r>
           </a:p>
@@ -4786,17 +4786,24 @@
             <a:pPr marL="342900" indent="-342900">
               <a:buAutoNum type="arabicPeriod"/>
             </a:pPr>
-            <a:endParaRPr lang="en-US" sz="1600"/>
+            <a:r>
+              <a:rPr lang="en-US" sz="1600" dirty="0"/>
+              <a:t>Social force model can </a:t>
+            </a:r>
+            <a:r>
+              <a:rPr lang="en-US" sz="1600" b="1" dirty="0"/>
+              <a:t>handle 10 different cars.</a:t>
+            </a:r>
           </a:p>
           <a:p>
             <a:pPr marL="342900" indent="-342900">
               <a:buAutoNum type="arabicPeriod"/>
             </a:pPr>
-            <a:endParaRPr lang="en-US" sz="1600"/>
+            <a:endParaRPr lang="en-US" sz="1600" dirty="0"/>
           </a:p>
           <a:p>
             <a:r>
-              <a:rPr lang="en-US" sz="1600" b="1"/>
+              <a:rPr lang="en-US" sz="1600" b="1" dirty="0"/>
               <a:t>Why?</a:t>
             </a:r>
           </a:p>
@@ -4805,7 +4812,7 @@
               <a:buAutoNum type="arabicPeriod"/>
             </a:pPr>
             <a:r>
-              <a:rPr lang="en-US" sz="1400"/>
+              <a:rPr lang="en-US" sz="1400" dirty="0"/>
               <a:t>Force-based approach is not expressive. They learn a very simple function that produces a limited variety. Trajectories are highly predictable. One model cannot capture cultural and road diversity.</a:t>
             </a:r>
           </a:p>
@@ -4814,7 +4821,7 @@
               <a:buAutoNum type="arabicPeriod"/>
             </a:pPr>
             <a:r>
-              <a:rPr lang="en-US" sz="1400"/>
+              <a:rPr lang="en-US" sz="1400" dirty="0"/>
               <a:t>ML-based approaches learn from existing non-representative data, so, cannot adapt well to unseen situations. Highly expressive, but fails due to lack of data.</a:t>
             </a:r>
           </a:p>
@@ -4822,11 +4829,11 @@
             <a:pPr marL="342900" indent="-342900">
               <a:buAutoNum type="arabicPeriod"/>
             </a:pPr>
-            <a:endParaRPr lang="en-US" sz="1600"/>
+            <a:endParaRPr lang="en-US" sz="1600" dirty="0"/>
           </a:p>
           <a:p>
             <a:r>
-              <a:rPr lang="en-US" sz="1600" b="1"/>
+              <a:rPr lang="en-US" sz="1600" b="1" dirty="0"/>
               <a:t>RQs:</a:t>
             </a:r>
           </a:p>
@@ -4835,7 +4842,7 @@
               <a:buAutoNum type="arabicPeriod"/>
             </a:pPr>
             <a:r>
-              <a:rPr lang="en-US" sz="1200"/>
+              <a:rPr lang="en-US" sz="1200" dirty="0"/>
               <a:t>Is it feasible to combine force-based and deep-learning approaches to generate interactions and capture real-world trajectories? That is, can we adjust the trajectories generated by a data-driven machine learning model to an emergent scenario using force-based models?</a:t>
             </a:r>
           </a:p>
@@ -4844,12 +4851,12 @@
               <a:buAutoNum type="arabicPeriod"/>
             </a:pPr>
             <a:r>
-              <a:rPr lang="en-US" sz="1200"/>
+              <a:rPr lang="en-US" sz="1200" dirty="0"/>
               <a:t>Can the hybrid model capture behavior not captured with force-based models and deep-learning models? We want to show that the hybrid approach has more expressiveness than individual approaches.</a:t>
             </a:r>
           </a:p>
           <a:p>
-            <a:endParaRPr lang="en-US" sz="1600"/>
+            <a:endParaRPr lang="en-US" sz="1600" dirty="0"/>
           </a:p>
         </p:txBody>
       </p:sp>
@@ -4867,8 +4874,8 @@
         </p:nvSpPr>
         <p:spPr>
           <a:xfrm>
-            <a:off x="782515" y="4659923"/>
-            <a:ext cx="3916973" cy="1015663"/>
+            <a:off x="771272" y="4663373"/>
+            <a:ext cx="3916973" cy="1431161"/>
           </a:xfrm>
           <a:prstGeom prst="rect">
             <a:avLst/>
@@ -4882,12 +4889,18 @@
           <a:lstStyle/>
           <a:p>
             <a:r>
-              <a:rPr lang="en-US" b="1"/>
+              <a:rPr lang="en-US" b="1" dirty="0"/>
               <a:t>Evaluation</a:t>
             </a:r>
             <a:r>
-              <a:rPr lang="en-US"/>
-              <a:t> in the unseen scenarios:</a:t>
+              <a:rPr lang="en-US" dirty="0"/>
+              <a:t> </a:t>
+            </a:r>
+          </a:p>
+          <a:p>
+            <a:r>
+              <a:rPr lang="en-US" sz="1400" dirty="0"/>
+              <a:t>in the seen and unseen scenarios:</a:t>
             </a:r>
           </a:p>
           <a:p>
@@ -4895,7 +4908,7 @@
               <a:buAutoNum type="arabicPeriod"/>
             </a:pPr>
             <a:r>
-              <a:rPr lang="en-US" sz="1400"/>
+              <a:rPr lang="en-US" sz="1100" dirty="0"/>
               <a:t>Against Deep Social Force</a:t>
             </a:r>
           </a:p>
@@ -4904,7 +4917,7 @@
               <a:buAutoNum type="arabicPeriod"/>
             </a:pPr>
             <a:r>
-              <a:rPr lang="en-US" sz="1400"/>
+              <a:rPr lang="en-US" sz="1100" dirty="0"/>
               <a:t>Against the Social-forced-based model</a:t>
             </a:r>
           </a:p>
@@ -4913,8 +4926,20 @@
               <a:buAutoNum type="arabicPeriod"/>
             </a:pPr>
             <a:r>
-              <a:rPr lang="en-US" sz="1400"/>
+              <a:rPr lang="en-US" sz="1100" dirty="0"/>
               <a:t>Against Social-GAN</a:t>
+            </a:r>
+          </a:p>
+          <a:p>
+            <a:pPr marL="342900" indent="-342900">
+              <a:buAutoNum type="arabicPeriod"/>
+            </a:pPr>
+            <a:endParaRPr lang="en-US" sz="1100" dirty="0"/>
+          </a:p>
+          <a:p>
+            <a:r>
+              <a:rPr lang="en-US" sz="1100" dirty="0"/>
+              <a:t>4. Test against perturbed data. </a:t>
             </a:r>
           </a:p>
         </p:txBody>
@@ -4952,6 +4977,193 @@
               <a:rPr lang="en-US" sz="1100" i="1" dirty="0"/>
               <a:t>Forced-Transformer</a:t>
             </a:r>
+          </a:p>
+        </p:txBody>
+      </p:sp>
+      <p:sp>
+        <p:nvSpPr>
+          <p:cNvPr id="10" name="Oval 9">
+            <a:extLst>
+              <a:ext uri="{FF2B5EF4-FFF2-40B4-BE49-F238E27FC236}">
+                <a16:creationId xmlns:a16="http://schemas.microsoft.com/office/drawing/2014/main" id="{B79EFEEE-622F-4053-9D50-00AFDEE160C1}"/>
+              </a:ext>
+            </a:extLst>
+          </p:cNvPr>
+          <p:cNvSpPr/>
+          <p:nvPr/>
+        </p:nvSpPr>
+        <p:spPr>
+          <a:xfrm>
+            <a:off x="2020695" y="2828721"/>
+            <a:ext cx="98467" cy="90993"/>
+          </a:xfrm>
+          <a:prstGeom prst="ellipse">
+            <a:avLst/>
+          </a:prstGeom>
+        </p:spPr>
+        <p:style>
+          <a:lnRef idx="2">
+            <a:schemeClr val="accent1">
+              <a:shade val="50000"/>
+            </a:schemeClr>
+          </a:lnRef>
+          <a:fillRef idx="1">
+            <a:schemeClr val="accent1"/>
+          </a:fillRef>
+          <a:effectRef idx="0">
+            <a:schemeClr val="accent1"/>
+          </a:effectRef>
+          <a:fontRef idx="minor">
+            <a:schemeClr val="lt1"/>
+          </a:fontRef>
+        </p:style>
+        <p:txBody>
+          <a:bodyPr rtlCol="0" anchor="ctr"/>
+          <a:lstStyle/>
+          <a:p>
+            <a:pPr algn="ctr"/>
+            <a:endParaRPr lang="en-US"/>
+          </a:p>
+        </p:txBody>
+      </p:sp>
+      <p:sp>
+        <p:nvSpPr>
+          <p:cNvPr id="29" name="Oval 28">
+            <a:extLst>
+              <a:ext uri="{FF2B5EF4-FFF2-40B4-BE49-F238E27FC236}">
+                <a16:creationId xmlns:a16="http://schemas.microsoft.com/office/drawing/2014/main" id="{38588E30-5759-42EF-87B3-9A28638A8446}"/>
+              </a:ext>
+            </a:extLst>
+          </p:cNvPr>
+          <p:cNvSpPr/>
+          <p:nvPr/>
+        </p:nvSpPr>
+        <p:spPr>
+          <a:xfrm>
+            <a:off x="1942716" y="2428351"/>
+            <a:ext cx="98467" cy="90993"/>
+          </a:xfrm>
+          <a:prstGeom prst="ellipse">
+            <a:avLst/>
+          </a:prstGeom>
+        </p:spPr>
+        <p:style>
+          <a:lnRef idx="2">
+            <a:schemeClr val="accent1">
+              <a:shade val="50000"/>
+            </a:schemeClr>
+          </a:lnRef>
+          <a:fillRef idx="1">
+            <a:schemeClr val="accent1"/>
+          </a:fillRef>
+          <a:effectRef idx="0">
+            <a:schemeClr val="accent1"/>
+          </a:effectRef>
+          <a:fontRef idx="minor">
+            <a:schemeClr val="lt1"/>
+          </a:fontRef>
+        </p:style>
+        <p:txBody>
+          <a:bodyPr rtlCol="0" anchor="ctr"/>
+          <a:lstStyle/>
+          <a:p>
+            <a:pPr algn="ctr"/>
+            <a:endParaRPr lang="en-US"/>
+          </a:p>
+        </p:txBody>
+      </p:sp>
+      <p:sp>
+        <p:nvSpPr>
+          <p:cNvPr id="30" name="Oval 29">
+            <a:extLst>
+              <a:ext uri="{FF2B5EF4-FFF2-40B4-BE49-F238E27FC236}">
+                <a16:creationId xmlns:a16="http://schemas.microsoft.com/office/drawing/2014/main" id="{3E300C6D-A331-471F-9579-35CBEF74010E}"/>
+              </a:ext>
+            </a:extLst>
+          </p:cNvPr>
+          <p:cNvSpPr/>
+          <p:nvPr/>
+        </p:nvSpPr>
+        <p:spPr>
+          <a:xfrm>
+            <a:off x="2079589" y="2005248"/>
+            <a:ext cx="98467" cy="90993"/>
+          </a:xfrm>
+          <a:prstGeom prst="ellipse">
+            <a:avLst/>
+          </a:prstGeom>
+        </p:spPr>
+        <p:style>
+          <a:lnRef idx="2">
+            <a:schemeClr val="accent1">
+              <a:shade val="50000"/>
+            </a:schemeClr>
+          </a:lnRef>
+          <a:fillRef idx="1">
+            <a:schemeClr val="accent1"/>
+          </a:fillRef>
+          <a:effectRef idx="0">
+            <a:schemeClr val="accent1"/>
+          </a:effectRef>
+          <a:fontRef idx="minor">
+            <a:schemeClr val="lt1"/>
+          </a:fontRef>
+        </p:style>
+        <p:txBody>
+          <a:bodyPr rtlCol="0" anchor="ctr"/>
+          <a:lstStyle/>
+          <a:p>
+            <a:pPr algn="ctr"/>
+            <a:endParaRPr lang="en-US"/>
+          </a:p>
+        </p:txBody>
+      </p:sp>
+      <p:sp>
+        <p:nvSpPr>
+          <p:cNvPr id="32" name="Oval 31">
+            <a:extLst>
+              <a:ext uri="{FF2B5EF4-FFF2-40B4-BE49-F238E27FC236}">
+                <a16:creationId xmlns:a16="http://schemas.microsoft.com/office/drawing/2014/main" id="{A947D0D5-ABD4-4979-B777-34A6D211926A}"/>
+              </a:ext>
+            </a:extLst>
+          </p:cNvPr>
+          <p:cNvSpPr/>
+          <p:nvPr/>
+        </p:nvSpPr>
+        <p:spPr>
+          <a:xfrm>
+            <a:off x="1931888" y="2001372"/>
+            <a:ext cx="98467" cy="90993"/>
+          </a:xfrm>
+          <a:prstGeom prst="ellipse">
+            <a:avLst/>
+          </a:prstGeom>
+          <a:solidFill>
+            <a:schemeClr val="accent2"/>
+          </a:solidFill>
+        </p:spPr>
+        <p:style>
+          <a:lnRef idx="2">
+            <a:schemeClr val="accent1">
+              <a:shade val="50000"/>
+            </a:schemeClr>
+          </a:lnRef>
+          <a:fillRef idx="1">
+            <a:schemeClr val="accent1"/>
+          </a:fillRef>
+          <a:effectRef idx="0">
+            <a:schemeClr val="accent1"/>
+          </a:effectRef>
+          <a:fontRef idx="minor">
+            <a:schemeClr val="lt1"/>
+          </a:fontRef>
+        </p:style>
+        <p:txBody>
+          <a:bodyPr rtlCol="0" anchor="ctr"/>
+          <a:lstStyle/>
+          <a:p>
+            <a:pPr algn="ctr"/>
+            <a:endParaRPr lang="en-US"/>
           </a:p>
         </p:txBody>
       </p:sp>
@@ -17274,24 +17486,24 @@
           <a:lstStyle/>
           <a:p>
             <a:r>
-              <a:rPr lang="en-US" sz="1200" b="1"/>
+              <a:rPr lang="en-US" sz="1200" b="1" dirty="0"/>
               <a:t>What</a:t>
             </a:r>
             <a:r>
-              <a:rPr lang="en-US" sz="1200"/>
+              <a:rPr lang="en-US" sz="1200" dirty="0"/>
               <a:t>: Real-world pedestrians cover an area different from designed crosswalks. The area is even wider when they jaywalk. We model the crosswalk area so that pedestrian behavior models can generate trajectories.</a:t>
             </a:r>
           </a:p>
           <a:p>
-            <a:endParaRPr lang="en-US" sz="1200"/>
+            <a:endParaRPr lang="en-US" sz="1200" dirty="0"/>
           </a:p>
           <a:p>
             <a:r>
-              <a:rPr lang="en-US" sz="1200" b="1"/>
+              <a:rPr lang="en-US" sz="1200" b="1" dirty="0"/>
               <a:t>Usage</a:t>
             </a:r>
             <a:r>
-              <a:rPr lang="en-US" sz="1200"/>
+              <a:rPr lang="en-US" sz="1200" dirty="0"/>
               <a:t>:</a:t>
             </a:r>
           </a:p>
@@ -17300,7 +17512,7 @@
               <a:buAutoNum type="arabicPeriod"/>
             </a:pPr>
             <a:r>
-              <a:rPr lang="en-US" sz="1200"/>
+              <a:rPr lang="en-US" sz="1200" dirty="0"/>
               <a:t>Can be used to measure the area coverage of pedestrian crossing models.</a:t>
             </a:r>
           </a:p>
@@ -17309,7 +17521,7 @@
               <a:buAutoNum type="arabicPeriod"/>
             </a:pPr>
             <a:r>
-              <a:rPr lang="en-US" sz="1200"/>
+              <a:rPr lang="en-US" sz="1200" dirty="0"/>
               <a:t>Can be used by predictive models (AV) to measure areas of interest in addition to forecasting trajectories.</a:t>
             </a:r>
           </a:p>
@@ -17318,7 +17530,7 @@
               <a:buAutoNum type="arabicPeriod"/>
             </a:pPr>
             <a:r>
-              <a:rPr lang="en-US" sz="1200"/>
+              <a:rPr lang="en-US" sz="1200" dirty="0"/>
               <a:t>Can be used by generative crossing models to increase diversity of trajectories.</a:t>
             </a:r>
           </a:p>
@@ -17326,11 +17538,11 @@
             <a:pPr marL="342900" indent="-342900">
               <a:buAutoNum type="arabicPeriod"/>
             </a:pPr>
-            <a:endParaRPr lang="en-US" sz="1200"/>
+            <a:endParaRPr lang="en-US" sz="1200" dirty="0"/>
           </a:p>
           <a:p>
             <a:r>
-              <a:rPr lang="en-US" sz="1200" b="1"/>
+              <a:rPr lang="en-US" sz="1200" b="1" dirty="0"/>
               <a:t>RQ:</a:t>
             </a:r>
           </a:p>
@@ -17339,7 +17551,7 @@
               <a:buAutoNum type="arabicPeriod"/>
             </a:pPr>
             <a:r>
-              <a:rPr lang="en-US" sz="1200"/>
+              <a:rPr lang="en-US" sz="1200" dirty="0"/>
               <a:t>Do the existing crossing behavior models cover the real-world envelope?</a:t>
             </a:r>
           </a:p>
@@ -17348,7 +17560,7 @@
               <a:buAutoNum type="arabicPeriod"/>
             </a:pPr>
             <a:r>
-              <a:rPr lang="en-US" sz="1200"/>
+              <a:rPr lang="en-US" sz="1200" dirty="0"/>
               <a:t>Does our approach cover the effective cross-walk area as the real-world scenarios?</a:t>
             </a:r>
           </a:p>
@@ -17356,17 +17568,17 @@
             <a:pPr marL="342900" indent="-342900">
               <a:buAutoNum type="arabicPeriod"/>
             </a:pPr>
-            <a:endParaRPr lang="en-US" sz="1200"/>
+            <a:endParaRPr lang="en-US" sz="1200" dirty="0"/>
           </a:p>
           <a:p>
             <a:pPr marL="342900" indent="-342900">
               <a:buAutoNum type="arabicPeriod"/>
             </a:pPr>
-            <a:endParaRPr lang="en-US" sz="1200"/>
+            <a:endParaRPr lang="en-US" sz="1200" dirty="0"/>
           </a:p>
           <a:p>
             <a:r>
-              <a:rPr lang="en-US" sz="1200"/>
+              <a:rPr lang="en-US" sz="1200" dirty="0"/>
               <a:t>Evaluation:</a:t>
             </a:r>
           </a:p>
@@ -17375,7 +17587,7 @@
               <a:buAutoNum type="arabicPeriod"/>
             </a:pPr>
             <a:r>
-              <a:rPr lang="en-US" sz="1050"/>
+              <a:rPr lang="en-US" sz="1050" dirty="0"/>
               <a:t>Evaluating generated polygons against the ground truth (difference with the ground truth that closely represents the generated, average area comparison, area distribution comparison)</a:t>
             </a:r>
           </a:p>
@@ -17384,7 +17596,7 @@
               <a:buAutoNum type="arabicPeriod"/>
             </a:pPr>
             <a:r>
-              <a:rPr lang="en-US" sz="1050"/>
+              <a:rPr lang="en-US" sz="1050" dirty="0"/>
               <a:t>Variation in ground truth given the same environment</a:t>
             </a:r>
           </a:p>
@@ -17393,7 +17605,7 @@
               <a:buAutoNum type="arabicPeriod"/>
             </a:pPr>
             <a:r>
-              <a:rPr lang="en-US" sz="1050"/>
+              <a:rPr lang="en-US" sz="1050" dirty="0"/>
               <a:t>Relative positional heat-map.</a:t>
             </a:r>
           </a:p>
@@ -17402,7 +17614,7 @@
               <a:buAutoNum type="arabicPeriod"/>
             </a:pPr>
             <a:r>
-              <a:rPr lang="en-US" sz="1050"/>
+              <a:rPr lang="en-US" sz="1050" dirty="0"/>
               <a:t>Integration of the model with PAI-Ped. </a:t>
             </a:r>
           </a:p>
@@ -17410,10 +17622,10 @@
             <a:pPr marL="342900" indent="-342900">
               <a:buAutoNum type="arabicPeriod"/>
             </a:pPr>
-            <a:endParaRPr lang="en-US" sz="1200"/>
+            <a:endParaRPr lang="en-US" sz="1200" dirty="0"/>
           </a:p>
           <a:p>
-            <a:endParaRPr lang="en-US" sz="1200"/>
+            <a:endParaRPr lang="en-US" sz="1200" dirty="0"/>
           </a:p>
         </p:txBody>
       </p:sp>
